--- a/Presentation-Corydoras.pptx
+++ b/Presentation-Corydoras.pptx
@@ -5,10 +5,10 @@
     <p:sldMasterId id="2147483733" r:id="rId1"/>
   </p:sldMasterIdLst>
   <p:notesMasterIdLst>
-    <p:notesMasterId r:id="rId23"/>
+    <p:notesMasterId r:id="rId27"/>
   </p:notesMasterIdLst>
   <p:handoutMasterIdLst>
-    <p:handoutMasterId r:id="rId24"/>
+    <p:handoutMasterId r:id="rId28"/>
   </p:handoutMasterIdLst>
   <p:sldIdLst>
     <p:sldId id="436" r:id="rId2"/>
@@ -27,11 +27,15 @@
     <p:sldId id="445" r:id="rId15"/>
     <p:sldId id="447" r:id="rId16"/>
     <p:sldId id="451" r:id="rId17"/>
-    <p:sldId id="446" r:id="rId18"/>
-    <p:sldId id="448" r:id="rId19"/>
-    <p:sldId id="449" r:id="rId20"/>
-    <p:sldId id="413" r:id="rId21"/>
-    <p:sldId id="265" r:id="rId22"/>
+    <p:sldId id="453" r:id="rId18"/>
+    <p:sldId id="446" r:id="rId19"/>
+    <p:sldId id="448" r:id="rId20"/>
+    <p:sldId id="449" r:id="rId21"/>
+    <p:sldId id="452" r:id="rId22"/>
+    <p:sldId id="454" r:id="rId23"/>
+    <p:sldId id="455" r:id="rId24"/>
+    <p:sldId id="413" r:id="rId25"/>
+    <p:sldId id="265" r:id="rId26"/>
   </p:sldIdLst>
   <p:sldSz cx="9144000" cy="6858000" type="screen4x3"/>
   <p:notesSz cx="6858000" cy="9144000"/>
@@ -986,6 +990,42 @@
       </p:grpSpPr>
       <p:sp>
         <p:nvSpPr>
+          <p:cNvPr id="2" name="Slide Image Placeholder 1"/>
+          <p:cNvSpPr>
+            <a:spLocks noGrp="1" noRot="1" noChangeAspect="1"/>
+          </p:cNvSpPr>
+          <p:nvPr>
+            <p:ph type="sldImg"/>
+          </p:nvPr>
+        </p:nvSpPr>
+        <p:spPr>
+          <a:xfrm>
+            <a:off x="1268413" y="612775"/>
+            <a:ext cx="4321175" cy="3241675"/>
+          </a:xfrm>
+        </p:spPr>
+      </p:sp>
+      <p:sp>
+        <p:nvSpPr>
+          <p:cNvPr id="3" name="Notes Placeholder 2"/>
+          <p:cNvSpPr>
+            <a:spLocks noGrp="1"/>
+          </p:cNvSpPr>
+          <p:nvPr>
+            <p:ph type="body" idx="1"/>
+          </p:nvPr>
+        </p:nvSpPr>
+        <p:spPr/>
+        <p:txBody>
+          <a:bodyPr/>
+          <a:lstStyle/>
+          <a:p>
+            <a:endParaRPr lang="en-US" sz="900" dirty="0"/>
+          </a:p>
+        </p:txBody>
+      </p:sp>
+      <p:sp>
+        <p:nvSpPr>
           <p:cNvPr id="4" name="Slide Number Placeholder 3"/>
           <p:cNvSpPr>
             <a:spLocks noGrp="1"/>
@@ -1003,6 +1043,60 @@
               <a:rPr lang="de-DE" smtClean="0"/>
               <a:pPr/>
               <a:t>21</a:t>
+            </a:fld>
+            <a:endParaRPr lang="de-DE" dirty="0"/>
+          </a:p>
+        </p:txBody>
+      </p:sp>
+    </p:spTree>
+    <p:extLst>
+      <p:ext uri="{BB962C8B-B14F-4D97-AF65-F5344CB8AC3E}">
+        <p14:creationId xmlns:p14="http://schemas.microsoft.com/office/powerpoint/2010/main" val="1873386748"/>
+      </p:ext>
+    </p:extLst>
+  </p:cSld>
+  <p:clrMapOvr>
+    <a:masterClrMapping/>
+  </p:clrMapOvr>
+</p:notes>
+</file>
+
+<file path=ppt/notesSlides/notesSlide7.xml><?xml version="1.0" encoding="utf-8"?>
+<p:notes xmlns:a="http://schemas.openxmlformats.org/drawingml/2006/main" xmlns:r="http://schemas.openxmlformats.org/officeDocument/2006/relationships" xmlns:p="http://schemas.openxmlformats.org/presentationml/2006/main">
+  <p:cSld>
+    <p:spTree>
+      <p:nvGrpSpPr>
+        <p:cNvPr id="1" name=""/>
+        <p:cNvGrpSpPr/>
+        <p:nvPr/>
+      </p:nvGrpSpPr>
+      <p:grpSpPr>
+        <a:xfrm>
+          <a:off x="0" y="0"/>
+          <a:ext cx="0" cy="0"/>
+          <a:chOff x="0" y="0"/>
+          <a:chExt cx="0" cy="0"/>
+        </a:xfrm>
+      </p:grpSpPr>
+      <p:sp>
+        <p:nvSpPr>
+          <p:cNvPr id="4" name="Slide Number Placeholder 3"/>
+          <p:cNvSpPr>
+            <a:spLocks noGrp="1"/>
+          </p:cNvSpPr>
+          <p:nvPr>
+            <p:ph type="sldNum" sz="quarter" idx="10"/>
+          </p:nvPr>
+        </p:nvSpPr>
+        <p:spPr/>
+        <p:txBody>
+          <a:bodyPr/>
+          <a:lstStyle/>
+          <a:p>
+            <a:fld id="{7D8C2C35-2B8A-446E-BEC0-FD36716C29AC}" type="slidenum">
+              <a:rPr lang="de-DE" smtClean="0"/>
+              <a:pPr/>
+              <a:t>25</a:t>
             </a:fld>
             <a:endParaRPr lang="de-DE" dirty="0"/>
           </a:p>
@@ -12319,6 +12413,359 @@
             </a:lvl9pPr>
           </a:lstStyle>
           <a:p>
+            <a:pPr marL="0" lvl="1" indent="0">
+              <a:buNone/>
+            </a:pPr>
+            <a:r>
+              <a:rPr lang="en-US" dirty="0"/>
+              <a:t>To handle job templating, you can either work with:</a:t>
+            </a:r>
+          </a:p>
+          <a:p>
+            <a:pPr lvl="1"/>
+            <a:r>
+              <a:rPr lang="en-US" dirty="0"/>
+              <a:t>XML. Indeed, ultimately, Jenkins Jobs are serialized as xml.</a:t>
+            </a:r>
+          </a:p>
+          <a:p>
+            <a:pPr lvl="1"/>
+            <a:r>
+              <a:rPr lang="en-US" dirty="0" err="1"/>
+              <a:t>JobDSL</a:t>
+            </a:r>
+            <a:r>
+              <a:rPr lang="en-US" dirty="0"/>
+              <a:t>. A nicer way to create jobs.</a:t>
+            </a:r>
+          </a:p>
+          <a:p>
+            <a:pPr lvl="1"/>
+            <a:endParaRPr lang="en-US" dirty="0"/>
+          </a:p>
+          <a:p>
+            <a:pPr marL="0" lvl="1" indent="0">
+              <a:buNone/>
+            </a:pPr>
+            <a:r>
+              <a:rPr lang="en-US" dirty="0" err="1"/>
+              <a:t>Corydoras</a:t>
+            </a:r>
+            <a:r>
+              <a:rPr lang="en-US" dirty="0"/>
+              <a:t> uses </a:t>
+            </a:r>
+            <a:r>
+              <a:rPr lang="en-US" dirty="0" err="1"/>
+              <a:t>JobDSL</a:t>
+            </a:r>
+            <a:r>
+              <a:rPr lang="en-US" dirty="0"/>
+              <a:t> under the hood. It works with pipelines. You could but should never have to  create </a:t>
+            </a:r>
+            <a:r>
+              <a:rPr lang="en-US" dirty="0" err="1"/>
+              <a:t>JobDSL</a:t>
+            </a:r>
+            <a:r>
+              <a:rPr lang="en-US" dirty="0"/>
+              <a:t> scripts. </a:t>
+            </a:r>
+            <a:r>
+              <a:rPr lang="en-US" dirty="0" err="1"/>
+              <a:t>Corydoras</a:t>
+            </a:r>
+            <a:r>
+              <a:rPr lang="en-US" dirty="0"/>
+              <a:t> generates everything from the pipeline </a:t>
+            </a:r>
+            <a:r>
+              <a:rPr lang="en-US"/>
+              <a:t>script itself.</a:t>
+            </a:r>
+            <a:endParaRPr lang="en-US" dirty="0"/>
+          </a:p>
+        </p:txBody>
+      </p:sp>
+      <p:sp>
+        <p:nvSpPr>
+          <p:cNvPr id="24" name="Title"/>
+          <p:cNvSpPr>
+            <a:spLocks noGrp="1"/>
+          </p:cNvSpPr>
+          <p:nvPr>
+            <p:ph type="title"/>
+          </p:nvPr>
+        </p:nvSpPr>
+        <p:spPr/>
+        <p:txBody>
+          <a:bodyPr/>
+          <a:lstStyle/>
+          <a:p>
+            <a:r>
+              <a:rPr lang="en-US" dirty="0"/>
+              <a:t>How does it compare to existing solutions</a:t>
+            </a:r>
+          </a:p>
+        </p:txBody>
+      </p:sp>
+      <p:sp>
+        <p:nvSpPr>
+          <p:cNvPr id="5" name="Rectangle 4">
+            <a:extLst>
+              <a:ext uri="{FF2B5EF4-FFF2-40B4-BE49-F238E27FC236}">
+                <a16:creationId xmlns:a16="http://schemas.microsoft.com/office/drawing/2014/main" id="{7C46647A-F4CA-9445-974C-5271888FB559}"/>
+              </a:ext>
+            </a:extLst>
+          </p:cNvPr>
+          <p:cNvSpPr/>
+          <p:nvPr/>
+        </p:nvSpPr>
+        <p:spPr>
+          <a:xfrm>
+            <a:off x="5456255" y="5994029"/>
+            <a:ext cx="3309320" cy="307777"/>
+          </a:xfrm>
+          <a:prstGeom prst="rect">
+            <a:avLst/>
+          </a:prstGeom>
+        </p:spPr>
+        <p:txBody>
+          <a:bodyPr wrap="square">
+            <a:spAutoFit/>
+          </a:bodyPr>
+          <a:lstStyle/>
+          <a:p>
+            <a:r>
+              <a:rPr lang="fr-FR" sz="1400" dirty="0">
+                <a:hlinkClick r:id="rId2"/>
+              </a:rPr>
+              <a:t>https://jenkinsci.github.io/job-dsl-plugin</a:t>
+            </a:r>
+            <a:r>
+              <a:rPr lang="fr-FR" sz="1400" dirty="0"/>
+              <a:t> </a:t>
+            </a:r>
+          </a:p>
+        </p:txBody>
+      </p:sp>
+    </p:spTree>
+    <p:extLst>
+      <p:ext uri="{BB962C8B-B14F-4D97-AF65-F5344CB8AC3E}">
+        <p14:creationId xmlns:p14="http://schemas.microsoft.com/office/powerpoint/2010/main" val="4161838689"/>
+      </p:ext>
+    </p:extLst>
+  </p:cSld>
+  <p:clrMapOvr>
+    <a:masterClrMapping/>
+  </p:clrMapOvr>
+</p:sld>
+</file>
+
+<file path=ppt/slides/slide17.xml><?xml version="1.0" encoding="utf-8"?>
+<p:sld xmlns:a="http://schemas.openxmlformats.org/drawingml/2006/main" xmlns:r="http://schemas.openxmlformats.org/officeDocument/2006/relationships" xmlns:p="http://schemas.openxmlformats.org/presentationml/2006/main">
+  <p:cSld>
+    <p:spTree>
+      <p:nvGrpSpPr>
+        <p:cNvPr id="1" name=""/>
+        <p:cNvGrpSpPr/>
+        <p:nvPr/>
+      </p:nvGrpSpPr>
+      <p:grpSpPr>
+        <a:xfrm>
+          <a:off x="0" y="0"/>
+          <a:ext cx="0" cy="0"/>
+          <a:chOff x="0" y="0"/>
+          <a:chExt cx="0" cy="0"/>
+        </a:xfrm>
+      </p:grpSpPr>
+      <p:sp>
+        <p:nvSpPr>
+          <p:cNvPr id="9" name="Text Placeholder column 1">
+            <a:extLst>
+              <a:ext uri="{FF2B5EF4-FFF2-40B4-BE49-F238E27FC236}">
+                <a16:creationId xmlns:a16="http://schemas.microsoft.com/office/drawing/2014/main" id="{7C0D76F8-8FBF-374E-8D7A-81AF73CA0B77}"/>
+              </a:ext>
+            </a:extLst>
+          </p:cNvPr>
+          <p:cNvSpPr txBox="1">
+            <a:spLocks/>
+          </p:cNvSpPr>
+          <p:nvPr/>
+        </p:nvSpPr>
+        <p:spPr>
+          <a:xfrm>
+            <a:off x="377901" y="1620000"/>
+            <a:ext cx="8387674" cy="4716000"/>
+          </a:xfrm>
+          <a:prstGeom prst="rect">
+            <a:avLst/>
+          </a:prstGeom>
+          <a:noFill/>
+          <a:ln>
+            <a:noFill/>
+          </a:ln>
+        </p:spPr>
+        <p:txBody>
+          <a:bodyPr/>
+          <a:lstStyle>
+            <a:lvl1pPr marL="0" indent="0" algn="l" defTabSz="816201" rtl="0" eaLnBrk="1" latinLnBrk="0" hangingPunct="1">
+              <a:spcBef>
+                <a:spcPts val="1350"/>
+              </a:spcBef>
+              <a:buClr>
+                <a:schemeClr val="accent1"/>
+              </a:buClr>
+              <a:buSzPct val="80000"/>
+              <a:buFontTx/>
+              <a:buNone/>
+              <a:defRPr sz="2000" b="0" kern="1200">
+                <a:solidFill>
+                  <a:schemeClr val="tx1"/>
+                </a:solidFill>
+                <a:latin typeface="+mn-lt"/>
+                <a:ea typeface="+mn-ea"/>
+                <a:cs typeface="+mn-cs"/>
+              </a:defRPr>
+            </a:lvl1pPr>
+            <a:lvl2pPr marL="134937" indent="-134937" algn="l" defTabSz="816201" rtl="0" eaLnBrk="1" latinLnBrk="0" hangingPunct="1">
+              <a:spcBef>
+                <a:spcPts val="450"/>
+              </a:spcBef>
+              <a:buClr>
+                <a:schemeClr val="accent1"/>
+              </a:buClr>
+              <a:buSzPct val="100000"/>
+              <a:buFont typeface="Wingdings" pitchFamily="2" charset="2"/>
+              <a:buChar char="§"/>
+              <a:defRPr sz="1800" kern="1200">
+                <a:solidFill>
+                  <a:schemeClr val="tx1"/>
+                </a:solidFill>
+                <a:latin typeface="+mn-lt"/>
+                <a:ea typeface="+mn-ea"/>
+                <a:cs typeface="+mn-cs"/>
+              </a:defRPr>
+            </a:lvl2pPr>
+            <a:lvl3pPr marL="269009" indent="-134505" algn="l" defTabSz="816201" rtl="0" eaLnBrk="1" latinLnBrk="0" hangingPunct="1">
+              <a:spcBef>
+                <a:spcPts val="225"/>
+              </a:spcBef>
+              <a:buClr>
+                <a:schemeClr val="tx1"/>
+              </a:buClr>
+              <a:buSzPct val="100000"/>
+              <a:buFont typeface="Arial" panose="020B0604020202020204" pitchFamily="34" charset="0"/>
+              <a:buChar char="–"/>
+              <a:defRPr lang="en-US" sz="1800" kern="1200" noProof="0" dirty="0" smtClean="0">
+                <a:solidFill>
+                  <a:schemeClr val="tx1"/>
+                </a:solidFill>
+                <a:latin typeface="+mn-lt"/>
+                <a:ea typeface="+mn-ea"/>
+                <a:cs typeface="+mn-cs"/>
+              </a:defRPr>
+            </a:lvl3pPr>
+            <a:lvl4pPr marL="404811" indent="-134937" algn="l" defTabSz="816201" rtl="0" eaLnBrk="1" latinLnBrk="0" hangingPunct="1">
+              <a:spcBef>
+                <a:spcPts val="225"/>
+              </a:spcBef>
+              <a:buClr>
+                <a:schemeClr val="tx1"/>
+              </a:buClr>
+              <a:buSzPct val="120000"/>
+              <a:buFont typeface="Arial" pitchFamily="34" charset="0"/>
+              <a:buChar char="▫"/>
+              <a:defRPr sz="1600" kern="1200">
+                <a:solidFill>
+                  <a:schemeClr val="tx1"/>
+                </a:solidFill>
+                <a:latin typeface="+mn-lt"/>
+                <a:ea typeface="+mn-ea"/>
+                <a:cs typeface="+mn-cs"/>
+              </a:defRPr>
+            </a:lvl4pPr>
+            <a:lvl5pPr marL="539748" indent="-134937" algn="l" defTabSz="816201" rtl="0" eaLnBrk="1" latinLnBrk="0" hangingPunct="1">
+              <a:spcBef>
+                <a:spcPts val="75"/>
+              </a:spcBef>
+              <a:buClr>
+                <a:schemeClr val="tx1"/>
+              </a:buClr>
+              <a:buSzPct val="100000"/>
+              <a:buFont typeface="Symbol" panose="05050102010706020507" pitchFamily="18" charset="2"/>
+              <a:buChar char="-"/>
+              <a:defRPr sz="1400" kern="1200" baseline="0">
+                <a:solidFill>
+                  <a:schemeClr val="tx1"/>
+                </a:solidFill>
+                <a:latin typeface="+mn-lt"/>
+                <a:ea typeface="+mn-ea"/>
+                <a:cs typeface="+mn-cs"/>
+              </a:defRPr>
+            </a:lvl5pPr>
+            <a:lvl6pPr marL="2244553" indent="-204051" algn="l" defTabSz="816201" rtl="0" eaLnBrk="1" latinLnBrk="0" hangingPunct="1">
+              <a:spcBef>
+                <a:spcPct val="20000"/>
+              </a:spcBef>
+              <a:buFont typeface="Arial" pitchFamily="34" charset="0"/>
+              <a:buChar char="•"/>
+              <a:defRPr sz="1800" kern="1200">
+                <a:solidFill>
+                  <a:schemeClr val="tx1"/>
+                </a:solidFill>
+                <a:latin typeface="+mn-lt"/>
+                <a:ea typeface="+mn-ea"/>
+                <a:cs typeface="+mn-cs"/>
+              </a:defRPr>
+            </a:lvl6pPr>
+            <a:lvl7pPr marL="2652653" indent="-204051" algn="l" defTabSz="816201" rtl="0" eaLnBrk="1" latinLnBrk="0" hangingPunct="1">
+              <a:spcBef>
+                <a:spcPct val="20000"/>
+              </a:spcBef>
+              <a:buFont typeface="Arial" pitchFamily="34" charset="0"/>
+              <a:buChar char="•"/>
+              <a:defRPr sz="1800" kern="1200">
+                <a:solidFill>
+                  <a:schemeClr val="tx1"/>
+                </a:solidFill>
+                <a:latin typeface="+mn-lt"/>
+                <a:ea typeface="+mn-ea"/>
+                <a:cs typeface="+mn-cs"/>
+              </a:defRPr>
+            </a:lvl7pPr>
+            <a:lvl8pPr marL="3060753" indent="-204051" algn="l" defTabSz="816201" rtl="0" eaLnBrk="1" latinLnBrk="0" hangingPunct="1">
+              <a:spcBef>
+                <a:spcPct val="20000"/>
+              </a:spcBef>
+              <a:buFont typeface="Arial" pitchFamily="34" charset="0"/>
+              <a:buChar char="•"/>
+              <a:defRPr sz="1800" kern="1200">
+                <a:solidFill>
+                  <a:schemeClr val="tx1"/>
+                </a:solidFill>
+                <a:latin typeface="+mn-lt"/>
+                <a:ea typeface="+mn-ea"/>
+                <a:cs typeface="+mn-cs"/>
+              </a:defRPr>
+            </a:lvl8pPr>
+            <a:lvl9pPr marL="3468854" indent="-204051" algn="l" defTabSz="816201" rtl="0" eaLnBrk="1" latinLnBrk="0" hangingPunct="1">
+              <a:spcBef>
+                <a:spcPct val="20000"/>
+              </a:spcBef>
+              <a:buFont typeface="Arial" pitchFamily="34" charset="0"/>
+              <a:buChar char="•"/>
+              <a:defRPr sz="1800" kern="1200">
+                <a:solidFill>
+                  <a:schemeClr val="tx1"/>
+                </a:solidFill>
+                <a:latin typeface="+mn-lt"/>
+                <a:ea typeface="+mn-ea"/>
+                <a:cs typeface="+mn-cs"/>
+              </a:defRPr>
+            </a:lvl9pPr>
+          </a:lstStyle>
+          <a:p>
             <a:pPr lvl="1"/>
             <a:r>
               <a:rPr lang="en-US" dirty="0"/>
@@ -12851,7 +13298,7 @@
     </p:spTree>
     <p:extLst>
       <p:ext uri="{BB962C8B-B14F-4D97-AF65-F5344CB8AC3E}">
-        <p14:creationId xmlns:p14="http://schemas.microsoft.com/office/powerpoint/2010/main" val="4161838689"/>
+        <p14:creationId xmlns:p14="http://schemas.microsoft.com/office/powerpoint/2010/main" val="3046435976"/>
       </p:ext>
     </p:extLst>
   </p:cSld>
@@ -12861,7 +13308,7 @@
 </p:sld>
 </file>
 
-<file path=ppt/slides/slide17.xml><?xml version="1.0" encoding="utf-8"?>
+<file path=ppt/slides/slide18.xml><?xml version="1.0" encoding="utf-8"?>
 <p:sld xmlns:a="http://schemas.openxmlformats.org/drawingml/2006/main" xmlns:r="http://schemas.openxmlformats.org/officeDocument/2006/relationships" xmlns:p="http://schemas.openxmlformats.org/presentationml/2006/main">
   <p:cSld>
     <p:bg>
@@ -14149,7 +14596,7 @@
 </p:sld>
 </file>
 
-<file path=ppt/slides/slide18.xml><?xml version="1.0" encoding="utf-8"?>
+<file path=ppt/slides/slide19.xml><?xml version="1.0" encoding="utf-8"?>
 <p:sld xmlns:a="http://schemas.openxmlformats.org/drawingml/2006/main" xmlns:r="http://schemas.openxmlformats.org/officeDocument/2006/relationships" xmlns:p="http://schemas.openxmlformats.org/presentationml/2006/main">
   <p:cSld>
     <p:spTree>
@@ -14375,66 +14822,9 @@
             </a:lvl9pPr>
           </a:lstStyle>
           <a:p>
-            <a:pPr lvl="1"/>
-            <a:r>
-              <a:rPr lang="en-US" dirty="0"/>
-              <a:t>scripts needs to be approved at this time from </a:t>
-            </a:r>
-            <a:r>
-              <a:rPr lang="en-US" dirty="0">
-                <a:solidFill>
-                  <a:schemeClr val="accent1"/>
-                </a:solidFill>
-              </a:rPr>
-              <a:t>/</a:t>
-            </a:r>
-            <a:r>
-              <a:rPr lang="en-US" dirty="0" err="1">
-                <a:solidFill>
-                  <a:schemeClr val="accent1"/>
-                </a:solidFill>
-              </a:rPr>
-              <a:t>scriptApproval</a:t>
-            </a:r>
-            <a:r>
-              <a:rPr lang="en-US" dirty="0">
-                <a:solidFill>
-                  <a:schemeClr val="accent1"/>
-                </a:solidFill>
-              </a:rPr>
-              <a:t> </a:t>
-            </a:r>
-            <a:r>
-              <a:rPr lang="en-US" dirty="0"/>
-              <a:t>page</a:t>
-            </a:r>
-          </a:p>
-          <a:p>
-            <a:pPr lvl="1"/>
-            <a:endParaRPr lang="en-US" dirty="0"/>
-          </a:p>
-          <a:p>
-            <a:pPr lvl="1"/>
-            <a:endParaRPr lang="en-US" dirty="0"/>
-          </a:p>
-          <a:p>
-            <a:pPr lvl="1"/>
-            <a:endParaRPr lang="en-US" dirty="0"/>
-          </a:p>
-          <a:p>
-            <a:pPr lvl="1"/>
-            <a:endParaRPr lang="en-US" dirty="0"/>
-          </a:p>
-          <a:p>
-            <a:pPr lvl="1"/>
-            <a:endParaRPr lang="en-US" dirty="0"/>
-          </a:p>
-          <a:p>
-            <a:pPr lvl="1"/>
-            <a:endParaRPr lang="en-US" dirty="0"/>
-          </a:p>
-          <a:p>
-            <a:pPr lvl="1"/>
+            <a:pPr marL="0" lvl="1" indent="0">
+              <a:buNone/>
+            </a:pPr>
             <a:r>
               <a:rPr lang="en-US" dirty="0"/>
               <a:t>Parser is almost 100% complete, almost</a:t>
@@ -14504,375 +14894,6 @@
             <a:r>
               <a:rPr lang="en-US" dirty="0"/>
               <a:t> is not</a:t>
-            </a:r>
-          </a:p>
-        </p:txBody>
-      </p:sp>
-      <p:pic>
-        <p:nvPicPr>
-          <p:cNvPr id="4" name="Picture 3">
-            <a:extLst>
-              <a:ext uri="{FF2B5EF4-FFF2-40B4-BE49-F238E27FC236}">
-                <a16:creationId xmlns:a16="http://schemas.microsoft.com/office/drawing/2014/main" id="{1D05A52F-5708-A147-9545-EFE023429302}"/>
-              </a:ext>
-            </a:extLst>
-          </p:cNvPr>
-          <p:cNvPicPr>
-            <a:picLocks noChangeAspect="1"/>
-          </p:cNvPicPr>
-          <p:nvPr/>
-        </p:nvPicPr>
-        <p:blipFill>
-          <a:blip r:embed="rId2"/>
-          <a:stretch>
-            <a:fillRect/>
-          </a:stretch>
-        </p:blipFill>
-        <p:spPr>
-          <a:xfrm>
-            <a:off x="705130" y="2333548"/>
-            <a:ext cx="7733216" cy="1085560"/>
-          </a:xfrm>
-          <a:prstGeom prst="rect">
-            <a:avLst/>
-          </a:prstGeom>
-        </p:spPr>
-      </p:pic>
-    </p:spTree>
-    <p:extLst>
-      <p:ext uri="{BB962C8B-B14F-4D97-AF65-F5344CB8AC3E}">
-        <p14:creationId xmlns:p14="http://schemas.microsoft.com/office/powerpoint/2010/main" val="222569330"/>
-      </p:ext>
-    </p:extLst>
-  </p:cSld>
-  <p:clrMapOvr>
-    <a:masterClrMapping/>
-  </p:clrMapOvr>
-</p:sld>
-</file>
-
-<file path=ppt/slides/slide19.xml><?xml version="1.0" encoding="utf-8"?>
-<p:sld xmlns:a="http://schemas.openxmlformats.org/drawingml/2006/main" xmlns:r="http://schemas.openxmlformats.org/officeDocument/2006/relationships" xmlns:p="http://schemas.openxmlformats.org/presentationml/2006/main">
-  <p:cSld>
-    <p:spTree>
-      <p:nvGrpSpPr>
-        <p:cNvPr id="1" name=""/>
-        <p:cNvGrpSpPr/>
-        <p:nvPr/>
-      </p:nvGrpSpPr>
-      <p:grpSpPr>
-        <a:xfrm>
-          <a:off x="0" y="0"/>
-          <a:ext cx="0" cy="0"/>
-          <a:chOff x="0" y="0"/>
-          <a:chExt cx="0" cy="0"/>
-        </a:xfrm>
-      </p:grpSpPr>
-      <p:sp>
-        <p:nvSpPr>
-          <p:cNvPr id="24" name="Title"/>
-          <p:cNvSpPr>
-            <a:spLocks noGrp="1"/>
-          </p:cNvSpPr>
-          <p:nvPr>
-            <p:ph type="title"/>
-          </p:nvPr>
-        </p:nvSpPr>
-        <p:spPr/>
-        <p:txBody>
-          <a:bodyPr/>
-          <a:lstStyle/>
-          <a:p>
-            <a:r>
-              <a:rPr lang="en-US" dirty="0"/>
-              <a:t>Sustainability</a:t>
-            </a:r>
-          </a:p>
-        </p:txBody>
-      </p:sp>
-      <p:sp>
-        <p:nvSpPr>
-          <p:cNvPr id="3" name="Text Placeholder column 1">
-            <a:extLst>
-              <a:ext uri="{FF2B5EF4-FFF2-40B4-BE49-F238E27FC236}">
-                <a16:creationId xmlns:a16="http://schemas.microsoft.com/office/drawing/2014/main" id="{17838B53-91C0-5146-B90F-17D8A2D5A3A6}"/>
-              </a:ext>
-            </a:extLst>
-          </p:cNvPr>
-          <p:cNvSpPr txBox="1">
-            <a:spLocks/>
-          </p:cNvSpPr>
-          <p:nvPr/>
-        </p:nvSpPr>
-        <p:spPr>
-          <a:xfrm>
-            <a:off x="377901" y="1620000"/>
-            <a:ext cx="8387674" cy="4716000"/>
-          </a:xfrm>
-          <a:prstGeom prst="rect">
-            <a:avLst/>
-          </a:prstGeom>
-          <a:noFill/>
-          <a:ln>
-            <a:noFill/>
-          </a:ln>
-        </p:spPr>
-        <p:txBody>
-          <a:bodyPr/>
-          <a:lstStyle>
-            <a:lvl1pPr marL="0" indent="0" algn="l" defTabSz="816201" rtl="0" eaLnBrk="1" latinLnBrk="0" hangingPunct="1">
-              <a:spcBef>
-                <a:spcPts val="1350"/>
-              </a:spcBef>
-              <a:buClr>
-                <a:schemeClr val="accent1"/>
-              </a:buClr>
-              <a:buSzPct val="80000"/>
-              <a:buFontTx/>
-              <a:buNone/>
-              <a:defRPr sz="2000" b="0" kern="1200">
-                <a:solidFill>
-                  <a:schemeClr val="tx1"/>
-                </a:solidFill>
-                <a:latin typeface="+mn-lt"/>
-                <a:ea typeface="+mn-ea"/>
-                <a:cs typeface="+mn-cs"/>
-              </a:defRPr>
-            </a:lvl1pPr>
-            <a:lvl2pPr marL="134937" indent="-134937" algn="l" defTabSz="816201" rtl="0" eaLnBrk="1" latinLnBrk="0" hangingPunct="1">
-              <a:spcBef>
-                <a:spcPts val="450"/>
-              </a:spcBef>
-              <a:buClr>
-                <a:schemeClr val="accent1"/>
-              </a:buClr>
-              <a:buSzPct val="100000"/>
-              <a:buFont typeface="Wingdings" pitchFamily="2" charset="2"/>
-              <a:buChar char="§"/>
-              <a:defRPr sz="1800" kern="1200">
-                <a:solidFill>
-                  <a:schemeClr val="tx1"/>
-                </a:solidFill>
-                <a:latin typeface="+mn-lt"/>
-                <a:ea typeface="+mn-ea"/>
-                <a:cs typeface="+mn-cs"/>
-              </a:defRPr>
-            </a:lvl2pPr>
-            <a:lvl3pPr marL="269009" indent="-134505" algn="l" defTabSz="816201" rtl="0" eaLnBrk="1" latinLnBrk="0" hangingPunct="1">
-              <a:spcBef>
-                <a:spcPts val="225"/>
-              </a:spcBef>
-              <a:buClr>
-                <a:schemeClr val="tx1"/>
-              </a:buClr>
-              <a:buSzPct val="100000"/>
-              <a:buFont typeface="Arial" panose="020B0604020202020204" pitchFamily="34" charset="0"/>
-              <a:buChar char="–"/>
-              <a:defRPr lang="en-US" sz="1800" kern="1200" noProof="0" dirty="0" smtClean="0">
-                <a:solidFill>
-                  <a:schemeClr val="tx1"/>
-                </a:solidFill>
-                <a:latin typeface="+mn-lt"/>
-                <a:ea typeface="+mn-ea"/>
-                <a:cs typeface="+mn-cs"/>
-              </a:defRPr>
-            </a:lvl3pPr>
-            <a:lvl4pPr marL="404811" indent="-134937" algn="l" defTabSz="816201" rtl="0" eaLnBrk="1" latinLnBrk="0" hangingPunct="1">
-              <a:spcBef>
-                <a:spcPts val="225"/>
-              </a:spcBef>
-              <a:buClr>
-                <a:schemeClr val="tx1"/>
-              </a:buClr>
-              <a:buSzPct val="120000"/>
-              <a:buFont typeface="Arial" pitchFamily="34" charset="0"/>
-              <a:buChar char="▫"/>
-              <a:defRPr sz="1600" kern="1200">
-                <a:solidFill>
-                  <a:schemeClr val="tx1"/>
-                </a:solidFill>
-                <a:latin typeface="+mn-lt"/>
-                <a:ea typeface="+mn-ea"/>
-                <a:cs typeface="+mn-cs"/>
-              </a:defRPr>
-            </a:lvl4pPr>
-            <a:lvl5pPr marL="539748" indent="-134937" algn="l" defTabSz="816201" rtl="0" eaLnBrk="1" latinLnBrk="0" hangingPunct="1">
-              <a:spcBef>
-                <a:spcPts val="75"/>
-              </a:spcBef>
-              <a:buClr>
-                <a:schemeClr val="tx1"/>
-              </a:buClr>
-              <a:buSzPct val="100000"/>
-              <a:buFont typeface="Symbol" panose="05050102010706020507" pitchFamily="18" charset="2"/>
-              <a:buChar char="-"/>
-              <a:defRPr sz="1400" kern="1200" baseline="0">
-                <a:solidFill>
-                  <a:schemeClr val="tx1"/>
-                </a:solidFill>
-                <a:latin typeface="+mn-lt"/>
-                <a:ea typeface="+mn-ea"/>
-                <a:cs typeface="+mn-cs"/>
-              </a:defRPr>
-            </a:lvl5pPr>
-            <a:lvl6pPr marL="2244553" indent="-204051" algn="l" defTabSz="816201" rtl="0" eaLnBrk="1" latinLnBrk="0" hangingPunct="1">
-              <a:spcBef>
-                <a:spcPct val="20000"/>
-              </a:spcBef>
-              <a:buFont typeface="Arial" pitchFamily="34" charset="0"/>
-              <a:buChar char="•"/>
-              <a:defRPr sz="1800" kern="1200">
-                <a:solidFill>
-                  <a:schemeClr val="tx1"/>
-                </a:solidFill>
-                <a:latin typeface="+mn-lt"/>
-                <a:ea typeface="+mn-ea"/>
-                <a:cs typeface="+mn-cs"/>
-              </a:defRPr>
-            </a:lvl6pPr>
-            <a:lvl7pPr marL="2652653" indent="-204051" algn="l" defTabSz="816201" rtl="0" eaLnBrk="1" latinLnBrk="0" hangingPunct="1">
-              <a:spcBef>
-                <a:spcPct val="20000"/>
-              </a:spcBef>
-              <a:buFont typeface="Arial" pitchFamily="34" charset="0"/>
-              <a:buChar char="•"/>
-              <a:defRPr sz="1800" kern="1200">
-                <a:solidFill>
-                  <a:schemeClr val="tx1"/>
-                </a:solidFill>
-                <a:latin typeface="+mn-lt"/>
-                <a:ea typeface="+mn-ea"/>
-                <a:cs typeface="+mn-cs"/>
-              </a:defRPr>
-            </a:lvl7pPr>
-            <a:lvl8pPr marL="3060753" indent="-204051" algn="l" defTabSz="816201" rtl="0" eaLnBrk="1" latinLnBrk="0" hangingPunct="1">
-              <a:spcBef>
-                <a:spcPct val="20000"/>
-              </a:spcBef>
-              <a:buFont typeface="Arial" pitchFamily="34" charset="0"/>
-              <a:buChar char="•"/>
-              <a:defRPr sz="1800" kern="1200">
-                <a:solidFill>
-                  <a:schemeClr val="tx1"/>
-                </a:solidFill>
-                <a:latin typeface="+mn-lt"/>
-                <a:ea typeface="+mn-ea"/>
-                <a:cs typeface="+mn-cs"/>
-              </a:defRPr>
-            </a:lvl8pPr>
-            <a:lvl9pPr marL="3468854" indent="-204051" algn="l" defTabSz="816201" rtl="0" eaLnBrk="1" latinLnBrk="0" hangingPunct="1">
-              <a:spcBef>
-                <a:spcPct val="20000"/>
-              </a:spcBef>
-              <a:buFont typeface="Arial" pitchFamily="34" charset="0"/>
-              <a:buChar char="•"/>
-              <a:defRPr sz="1800" kern="1200">
-                <a:solidFill>
-                  <a:schemeClr val="tx1"/>
-                </a:solidFill>
-                <a:latin typeface="+mn-lt"/>
-                <a:ea typeface="+mn-ea"/>
-                <a:cs typeface="+mn-cs"/>
-              </a:defRPr>
-            </a:lvl9pPr>
-          </a:lstStyle>
-          <a:p>
-            <a:pPr lvl="1"/>
-            <a:r>
-              <a:rPr lang="en-US" dirty="0"/>
-              <a:t>Quality</a:t>
-            </a:r>
-          </a:p>
-          <a:p>
-            <a:pPr lvl="2"/>
-            <a:r>
-              <a:rPr lang="en-US" dirty="0"/>
-              <a:t> Unit tested with Spock</a:t>
-            </a:r>
-          </a:p>
-          <a:p>
-            <a:pPr lvl="2"/>
-            <a:r>
-              <a:rPr lang="en-US" dirty="0"/>
-              <a:t> </a:t>
-            </a:r>
-            <a:r>
-              <a:rPr lang="en-US" dirty="0" err="1"/>
-              <a:t>Linted</a:t>
-            </a:r>
-            <a:r>
-              <a:rPr lang="en-US" dirty="0"/>
-              <a:t> with </a:t>
-            </a:r>
-            <a:r>
-              <a:rPr lang="en-US" dirty="0" err="1"/>
-              <a:t>Codenarc</a:t>
-            </a:r>
-            <a:endParaRPr lang="en-US" dirty="0"/>
-          </a:p>
-          <a:p>
-            <a:pPr lvl="1"/>
-            <a:r>
-              <a:rPr lang="en-US" dirty="0"/>
-              <a:t>Support</a:t>
-            </a:r>
-          </a:p>
-          <a:p>
-            <a:pPr lvl="2"/>
-            <a:r>
-              <a:rPr lang="en-US" dirty="0"/>
-              <a:t> </a:t>
-            </a:r>
-            <a:r>
-              <a:rPr lang="en-US" dirty="0" err="1"/>
-              <a:t>JobDSL</a:t>
-            </a:r>
-            <a:r>
-              <a:rPr lang="en-US" dirty="0"/>
-              <a:t> warns when a method will be deprecated several </a:t>
-            </a:r>
-            <a:r>
-              <a:rPr lang="en-US" dirty="0" err="1"/>
-              <a:t>jenkins</a:t>
-            </a:r>
-            <a:r>
-              <a:rPr lang="en-US" dirty="0"/>
-              <a:t> version before the method is really deprecated</a:t>
-            </a:r>
-          </a:p>
-          <a:p>
-            <a:pPr lvl="2"/>
-            <a:r>
-              <a:rPr lang="en-US" dirty="0"/>
-              <a:t> Runs on ML-IPA, Jenkins version </a:t>
-            </a:r>
-            <a:r>
-              <a:rPr lang="fr-FR" dirty="0"/>
-              <a:t>2.107 </a:t>
-            </a:r>
-            <a:r>
-              <a:rPr lang="fr-FR" dirty="0" err="1"/>
-              <a:t>with</a:t>
-            </a:r>
-            <a:r>
-              <a:rPr lang="fr-FR" dirty="0"/>
-              <a:t> </a:t>
-            </a:r>
-            <a:r>
-              <a:rPr lang="fr-FR" dirty="0" err="1"/>
-              <a:t>JobDSL</a:t>
-            </a:r>
-            <a:r>
-              <a:rPr lang="fr-FR" dirty="0"/>
-              <a:t> 1.70</a:t>
-            </a:r>
-            <a:endParaRPr lang="en-US" dirty="0"/>
-          </a:p>
-          <a:p>
-            <a:pPr lvl="1"/>
-            <a:r>
-              <a:rPr lang="en-US" dirty="0"/>
-              <a:t>Looking for a community</a:t>
             </a:r>
           </a:p>
         </p:txBody>
@@ -14880,7 +14901,7 @@
     </p:spTree>
     <p:extLst>
       <p:ext uri="{BB962C8B-B14F-4D97-AF65-F5344CB8AC3E}">
-        <p14:creationId xmlns:p14="http://schemas.microsoft.com/office/powerpoint/2010/main" val="1834368635"/>
+        <p14:creationId xmlns:p14="http://schemas.microsoft.com/office/powerpoint/2010/main" val="222569330"/>
       </p:ext>
     </p:extLst>
   </p:cSld>
@@ -14994,6 +15015,1058 @@
 </file>
 
 <file path=ppt/slides/slide20.xml><?xml version="1.0" encoding="utf-8"?>
+<p:sld xmlns:a="http://schemas.openxmlformats.org/drawingml/2006/main" xmlns:r="http://schemas.openxmlformats.org/officeDocument/2006/relationships" xmlns:p="http://schemas.openxmlformats.org/presentationml/2006/main">
+  <p:cSld>
+    <p:spTree>
+      <p:nvGrpSpPr>
+        <p:cNvPr id="1" name=""/>
+        <p:cNvGrpSpPr/>
+        <p:nvPr/>
+      </p:nvGrpSpPr>
+      <p:grpSpPr>
+        <a:xfrm>
+          <a:off x="0" y="0"/>
+          <a:ext cx="0" cy="0"/>
+          <a:chOff x="0" y="0"/>
+          <a:chExt cx="0" cy="0"/>
+        </a:xfrm>
+      </p:grpSpPr>
+      <p:sp>
+        <p:nvSpPr>
+          <p:cNvPr id="24" name="Title"/>
+          <p:cNvSpPr>
+            <a:spLocks noGrp="1"/>
+          </p:cNvSpPr>
+          <p:nvPr>
+            <p:ph type="title"/>
+          </p:nvPr>
+        </p:nvSpPr>
+        <p:spPr/>
+        <p:txBody>
+          <a:bodyPr/>
+          <a:lstStyle/>
+          <a:p>
+            <a:r>
+              <a:rPr lang="en-US" dirty="0"/>
+              <a:t>Sustainability</a:t>
+            </a:r>
+          </a:p>
+        </p:txBody>
+      </p:sp>
+      <p:sp>
+        <p:nvSpPr>
+          <p:cNvPr id="3" name="Text Placeholder column 1">
+            <a:extLst>
+              <a:ext uri="{FF2B5EF4-FFF2-40B4-BE49-F238E27FC236}">
+                <a16:creationId xmlns:a16="http://schemas.microsoft.com/office/drawing/2014/main" id="{17838B53-91C0-5146-B90F-17D8A2D5A3A6}"/>
+              </a:ext>
+            </a:extLst>
+          </p:cNvPr>
+          <p:cNvSpPr txBox="1">
+            <a:spLocks/>
+          </p:cNvSpPr>
+          <p:nvPr/>
+        </p:nvSpPr>
+        <p:spPr>
+          <a:xfrm>
+            <a:off x="377901" y="1620000"/>
+            <a:ext cx="8387674" cy="4716000"/>
+          </a:xfrm>
+          <a:prstGeom prst="rect">
+            <a:avLst/>
+          </a:prstGeom>
+          <a:noFill/>
+          <a:ln>
+            <a:noFill/>
+          </a:ln>
+        </p:spPr>
+        <p:txBody>
+          <a:bodyPr/>
+          <a:lstStyle>
+            <a:lvl1pPr marL="0" indent="0" algn="l" defTabSz="816201" rtl="0" eaLnBrk="1" latinLnBrk="0" hangingPunct="1">
+              <a:spcBef>
+                <a:spcPts val="1350"/>
+              </a:spcBef>
+              <a:buClr>
+                <a:schemeClr val="accent1"/>
+              </a:buClr>
+              <a:buSzPct val="80000"/>
+              <a:buFontTx/>
+              <a:buNone/>
+              <a:defRPr sz="2000" b="0" kern="1200">
+                <a:solidFill>
+                  <a:schemeClr val="tx1"/>
+                </a:solidFill>
+                <a:latin typeface="+mn-lt"/>
+                <a:ea typeface="+mn-ea"/>
+                <a:cs typeface="+mn-cs"/>
+              </a:defRPr>
+            </a:lvl1pPr>
+            <a:lvl2pPr marL="134937" indent="-134937" algn="l" defTabSz="816201" rtl="0" eaLnBrk="1" latinLnBrk="0" hangingPunct="1">
+              <a:spcBef>
+                <a:spcPts val="450"/>
+              </a:spcBef>
+              <a:buClr>
+                <a:schemeClr val="accent1"/>
+              </a:buClr>
+              <a:buSzPct val="100000"/>
+              <a:buFont typeface="Wingdings" pitchFamily="2" charset="2"/>
+              <a:buChar char="§"/>
+              <a:defRPr sz="1800" kern="1200">
+                <a:solidFill>
+                  <a:schemeClr val="tx1"/>
+                </a:solidFill>
+                <a:latin typeface="+mn-lt"/>
+                <a:ea typeface="+mn-ea"/>
+                <a:cs typeface="+mn-cs"/>
+              </a:defRPr>
+            </a:lvl2pPr>
+            <a:lvl3pPr marL="269009" indent="-134505" algn="l" defTabSz="816201" rtl="0" eaLnBrk="1" latinLnBrk="0" hangingPunct="1">
+              <a:spcBef>
+                <a:spcPts val="225"/>
+              </a:spcBef>
+              <a:buClr>
+                <a:schemeClr val="tx1"/>
+              </a:buClr>
+              <a:buSzPct val="100000"/>
+              <a:buFont typeface="Arial" panose="020B0604020202020204" pitchFamily="34" charset="0"/>
+              <a:buChar char="–"/>
+              <a:defRPr lang="en-US" sz="1800" kern="1200" noProof="0" dirty="0" smtClean="0">
+                <a:solidFill>
+                  <a:schemeClr val="tx1"/>
+                </a:solidFill>
+                <a:latin typeface="+mn-lt"/>
+                <a:ea typeface="+mn-ea"/>
+                <a:cs typeface="+mn-cs"/>
+              </a:defRPr>
+            </a:lvl3pPr>
+            <a:lvl4pPr marL="404811" indent="-134937" algn="l" defTabSz="816201" rtl="0" eaLnBrk="1" latinLnBrk="0" hangingPunct="1">
+              <a:spcBef>
+                <a:spcPts val="225"/>
+              </a:spcBef>
+              <a:buClr>
+                <a:schemeClr val="tx1"/>
+              </a:buClr>
+              <a:buSzPct val="120000"/>
+              <a:buFont typeface="Arial" pitchFamily="34" charset="0"/>
+              <a:buChar char="▫"/>
+              <a:defRPr sz="1600" kern="1200">
+                <a:solidFill>
+                  <a:schemeClr val="tx1"/>
+                </a:solidFill>
+                <a:latin typeface="+mn-lt"/>
+                <a:ea typeface="+mn-ea"/>
+                <a:cs typeface="+mn-cs"/>
+              </a:defRPr>
+            </a:lvl4pPr>
+            <a:lvl5pPr marL="539748" indent="-134937" algn="l" defTabSz="816201" rtl="0" eaLnBrk="1" latinLnBrk="0" hangingPunct="1">
+              <a:spcBef>
+                <a:spcPts val="75"/>
+              </a:spcBef>
+              <a:buClr>
+                <a:schemeClr val="tx1"/>
+              </a:buClr>
+              <a:buSzPct val="100000"/>
+              <a:buFont typeface="Symbol" panose="05050102010706020507" pitchFamily="18" charset="2"/>
+              <a:buChar char="-"/>
+              <a:defRPr sz="1400" kern="1200" baseline="0">
+                <a:solidFill>
+                  <a:schemeClr val="tx1"/>
+                </a:solidFill>
+                <a:latin typeface="+mn-lt"/>
+                <a:ea typeface="+mn-ea"/>
+                <a:cs typeface="+mn-cs"/>
+              </a:defRPr>
+            </a:lvl5pPr>
+            <a:lvl6pPr marL="2244553" indent="-204051" algn="l" defTabSz="816201" rtl="0" eaLnBrk="1" latinLnBrk="0" hangingPunct="1">
+              <a:spcBef>
+                <a:spcPct val="20000"/>
+              </a:spcBef>
+              <a:buFont typeface="Arial" pitchFamily="34" charset="0"/>
+              <a:buChar char="•"/>
+              <a:defRPr sz="1800" kern="1200">
+                <a:solidFill>
+                  <a:schemeClr val="tx1"/>
+                </a:solidFill>
+                <a:latin typeface="+mn-lt"/>
+                <a:ea typeface="+mn-ea"/>
+                <a:cs typeface="+mn-cs"/>
+              </a:defRPr>
+            </a:lvl6pPr>
+            <a:lvl7pPr marL="2652653" indent="-204051" algn="l" defTabSz="816201" rtl="0" eaLnBrk="1" latinLnBrk="0" hangingPunct="1">
+              <a:spcBef>
+                <a:spcPct val="20000"/>
+              </a:spcBef>
+              <a:buFont typeface="Arial" pitchFamily="34" charset="0"/>
+              <a:buChar char="•"/>
+              <a:defRPr sz="1800" kern="1200">
+                <a:solidFill>
+                  <a:schemeClr val="tx1"/>
+                </a:solidFill>
+                <a:latin typeface="+mn-lt"/>
+                <a:ea typeface="+mn-ea"/>
+                <a:cs typeface="+mn-cs"/>
+              </a:defRPr>
+            </a:lvl7pPr>
+            <a:lvl8pPr marL="3060753" indent="-204051" algn="l" defTabSz="816201" rtl="0" eaLnBrk="1" latinLnBrk="0" hangingPunct="1">
+              <a:spcBef>
+                <a:spcPct val="20000"/>
+              </a:spcBef>
+              <a:buFont typeface="Arial" pitchFamily="34" charset="0"/>
+              <a:buChar char="•"/>
+              <a:defRPr sz="1800" kern="1200">
+                <a:solidFill>
+                  <a:schemeClr val="tx1"/>
+                </a:solidFill>
+                <a:latin typeface="+mn-lt"/>
+                <a:ea typeface="+mn-ea"/>
+                <a:cs typeface="+mn-cs"/>
+              </a:defRPr>
+            </a:lvl8pPr>
+            <a:lvl9pPr marL="3468854" indent="-204051" algn="l" defTabSz="816201" rtl="0" eaLnBrk="1" latinLnBrk="0" hangingPunct="1">
+              <a:spcBef>
+                <a:spcPct val="20000"/>
+              </a:spcBef>
+              <a:buFont typeface="Arial" pitchFamily="34" charset="0"/>
+              <a:buChar char="•"/>
+              <a:defRPr sz="1800" kern="1200">
+                <a:solidFill>
+                  <a:schemeClr val="tx1"/>
+                </a:solidFill>
+                <a:latin typeface="+mn-lt"/>
+                <a:ea typeface="+mn-ea"/>
+                <a:cs typeface="+mn-cs"/>
+              </a:defRPr>
+            </a:lvl9pPr>
+          </a:lstStyle>
+          <a:p>
+            <a:pPr lvl="1"/>
+            <a:r>
+              <a:rPr lang="en-US" dirty="0"/>
+              <a:t>Quality</a:t>
+            </a:r>
+          </a:p>
+          <a:p>
+            <a:pPr lvl="2"/>
+            <a:r>
+              <a:rPr lang="en-US" dirty="0"/>
+              <a:t> Unit tested with Spock</a:t>
+            </a:r>
+          </a:p>
+          <a:p>
+            <a:pPr lvl="2"/>
+            <a:r>
+              <a:rPr lang="en-US" dirty="0"/>
+              <a:t> </a:t>
+            </a:r>
+            <a:r>
+              <a:rPr lang="en-US" dirty="0" err="1"/>
+              <a:t>Linted</a:t>
+            </a:r>
+            <a:r>
+              <a:rPr lang="en-US" dirty="0"/>
+              <a:t> with </a:t>
+            </a:r>
+            <a:r>
+              <a:rPr lang="en-US" dirty="0" err="1"/>
+              <a:t>Codenarc</a:t>
+            </a:r>
+            <a:endParaRPr lang="en-US" dirty="0"/>
+          </a:p>
+          <a:p>
+            <a:pPr lvl="1"/>
+            <a:r>
+              <a:rPr lang="en-US" dirty="0"/>
+              <a:t>Support</a:t>
+            </a:r>
+          </a:p>
+          <a:p>
+            <a:pPr lvl="2"/>
+            <a:r>
+              <a:rPr lang="en-US" dirty="0"/>
+              <a:t> </a:t>
+            </a:r>
+            <a:r>
+              <a:rPr lang="en-US" dirty="0" err="1"/>
+              <a:t>JobDSL</a:t>
+            </a:r>
+            <a:r>
+              <a:rPr lang="en-US" dirty="0"/>
+              <a:t> warns when a method will be deprecated several </a:t>
+            </a:r>
+            <a:r>
+              <a:rPr lang="en-US" dirty="0" err="1"/>
+              <a:t>jenkins</a:t>
+            </a:r>
+            <a:r>
+              <a:rPr lang="en-US" dirty="0"/>
+              <a:t> version before the method is really deprecated</a:t>
+            </a:r>
+          </a:p>
+          <a:p>
+            <a:pPr lvl="2"/>
+            <a:r>
+              <a:rPr lang="en-US" dirty="0"/>
+              <a:t> Runs on ML-IPA, Jenkins version </a:t>
+            </a:r>
+            <a:r>
+              <a:rPr lang="fr-FR" dirty="0"/>
+              <a:t>2.107 </a:t>
+            </a:r>
+            <a:r>
+              <a:rPr lang="fr-FR" dirty="0" err="1"/>
+              <a:t>with</a:t>
+            </a:r>
+            <a:r>
+              <a:rPr lang="fr-FR" dirty="0"/>
+              <a:t> </a:t>
+            </a:r>
+            <a:r>
+              <a:rPr lang="fr-FR" dirty="0" err="1"/>
+              <a:t>JobDSL</a:t>
+            </a:r>
+            <a:r>
+              <a:rPr lang="fr-FR" dirty="0"/>
+              <a:t> 1.70</a:t>
+            </a:r>
+            <a:endParaRPr lang="en-US" dirty="0"/>
+          </a:p>
+          <a:p>
+            <a:pPr lvl="1"/>
+            <a:r>
+              <a:rPr lang="en-US" dirty="0"/>
+              <a:t>Looking for a community</a:t>
+            </a:r>
+          </a:p>
+        </p:txBody>
+      </p:sp>
+    </p:spTree>
+    <p:extLst>
+      <p:ext uri="{BB962C8B-B14F-4D97-AF65-F5344CB8AC3E}">
+        <p14:creationId xmlns:p14="http://schemas.microsoft.com/office/powerpoint/2010/main" val="1834368635"/>
+      </p:ext>
+    </p:extLst>
+  </p:cSld>
+  <p:clrMapOvr>
+    <a:masterClrMapping/>
+  </p:clrMapOvr>
+</p:sld>
+</file>
+
+<file path=ppt/slides/slide21.xml><?xml version="1.0" encoding="utf-8"?>
+<p:sld xmlns:a="http://schemas.openxmlformats.org/drawingml/2006/main" xmlns:r="http://schemas.openxmlformats.org/officeDocument/2006/relationships" xmlns:p="http://schemas.openxmlformats.org/presentationml/2006/main">
+  <p:cSld>
+    <p:spTree>
+      <p:nvGrpSpPr>
+        <p:cNvPr id="1" name=""/>
+        <p:cNvGrpSpPr/>
+        <p:nvPr/>
+      </p:nvGrpSpPr>
+      <p:grpSpPr>
+        <a:xfrm>
+          <a:off x="0" y="0"/>
+          <a:ext cx="0" cy="0"/>
+          <a:chOff x="0" y="0"/>
+          <a:chExt cx="0" cy="0"/>
+        </a:xfrm>
+      </p:grpSpPr>
+      <p:sp>
+        <p:nvSpPr>
+          <p:cNvPr id="2" name="Divider"/>
+          <p:cNvSpPr>
+            <a:spLocks noGrp="1"/>
+          </p:cNvSpPr>
+          <p:nvPr>
+            <p:ph type="ctrTitle"/>
+          </p:nvPr>
+        </p:nvSpPr>
+        <p:spPr>
+          <a:xfrm>
+            <a:off x="377902" y="3090446"/>
+            <a:ext cx="8587678" cy="677108"/>
+          </a:xfrm>
+        </p:spPr>
+        <p:txBody>
+          <a:bodyPr/>
+          <a:lstStyle/>
+          <a:p>
+            <a:r>
+              <a:rPr lang="en-US" dirty="0"/>
+              <a:t>Success Stories</a:t>
+            </a:r>
+            <a:endParaRPr lang="en-US" dirty="0">
+              <a:solidFill>
+                <a:schemeClr val="accent1"/>
+              </a:solidFill>
+            </a:endParaRPr>
+          </a:p>
+        </p:txBody>
+      </p:sp>
+    </p:spTree>
+    <p:extLst>
+      <p:ext uri="{BB962C8B-B14F-4D97-AF65-F5344CB8AC3E}">
+        <p14:creationId xmlns:p14="http://schemas.microsoft.com/office/powerpoint/2010/main" val="3571016632"/>
+      </p:ext>
+    </p:extLst>
+  </p:cSld>
+  <p:clrMapOvr>
+    <a:masterClrMapping/>
+  </p:clrMapOvr>
+</p:sld>
+</file>
+
+<file path=ppt/slides/slide22.xml><?xml version="1.0" encoding="utf-8"?>
+<p:sld xmlns:a="http://schemas.openxmlformats.org/drawingml/2006/main" xmlns:r="http://schemas.openxmlformats.org/officeDocument/2006/relationships" xmlns:p="http://schemas.openxmlformats.org/presentationml/2006/main">
+  <p:cSld>
+    <p:spTree>
+      <p:nvGrpSpPr>
+        <p:cNvPr id="1" name=""/>
+        <p:cNvGrpSpPr/>
+        <p:nvPr/>
+      </p:nvGrpSpPr>
+      <p:grpSpPr>
+        <a:xfrm>
+          <a:off x="0" y="0"/>
+          <a:ext cx="0" cy="0"/>
+          <a:chOff x="0" y="0"/>
+          <a:chExt cx="0" cy="0"/>
+        </a:xfrm>
+      </p:grpSpPr>
+      <p:sp>
+        <p:nvSpPr>
+          <p:cNvPr id="24" name="Title"/>
+          <p:cNvSpPr>
+            <a:spLocks noGrp="1"/>
+          </p:cNvSpPr>
+          <p:nvPr>
+            <p:ph type="title"/>
+          </p:nvPr>
+        </p:nvSpPr>
+        <p:spPr/>
+        <p:txBody>
+          <a:bodyPr/>
+          <a:lstStyle/>
+          <a:p>
+            <a:r>
+              <a:rPr lang="en-US" dirty="0"/>
+              <a:t>ML-IPA</a:t>
+            </a:r>
+          </a:p>
+        </p:txBody>
+      </p:sp>
+      <p:sp>
+        <p:nvSpPr>
+          <p:cNvPr id="3" name="Text Placeholder column 1">
+            <a:extLst>
+              <a:ext uri="{FF2B5EF4-FFF2-40B4-BE49-F238E27FC236}">
+                <a16:creationId xmlns:a16="http://schemas.microsoft.com/office/drawing/2014/main" id="{17838B53-91C0-5146-B90F-17D8A2D5A3A6}"/>
+              </a:ext>
+            </a:extLst>
+          </p:cNvPr>
+          <p:cNvSpPr txBox="1">
+            <a:spLocks/>
+          </p:cNvSpPr>
+          <p:nvPr/>
+        </p:nvSpPr>
+        <p:spPr>
+          <a:xfrm>
+            <a:off x="377901" y="1620000"/>
+            <a:ext cx="8387674" cy="4716000"/>
+          </a:xfrm>
+          <a:prstGeom prst="rect">
+            <a:avLst/>
+          </a:prstGeom>
+          <a:noFill/>
+          <a:ln>
+            <a:noFill/>
+          </a:ln>
+        </p:spPr>
+        <p:txBody>
+          <a:bodyPr/>
+          <a:lstStyle>
+            <a:lvl1pPr marL="0" indent="0" algn="l" defTabSz="816201" rtl="0" eaLnBrk="1" latinLnBrk="0" hangingPunct="1">
+              <a:spcBef>
+                <a:spcPts val="1350"/>
+              </a:spcBef>
+              <a:buClr>
+                <a:schemeClr val="accent1"/>
+              </a:buClr>
+              <a:buSzPct val="80000"/>
+              <a:buFontTx/>
+              <a:buNone/>
+              <a:defRPr sz="2000" b="0" kern="1200">
+                <a:solidFill>
+                  <a:schemeClr val="tx1"/>
+                </a:solidFill>
+                <a:latin typeface="+mn-lt"/>
+                <a:ea typeface="+mn-ea"/>
+                <a:cs typeface="+mn-cs"/>
+              </a:defRPr>
+            </a:lvl1pPr>
+            <a:lvl2pPr marL="134937" indent="-134937" algn="l" defTabSz="816201" rtl="0" eaLnBrk="1" latinLnBrk="0" hangingPunct="1">
+              <a:spcBef>
+                <a:spcPts val="450"/>
+              </a:spcBef>
+              <a:buClr>
+                <a:schemeClr val="accent1"/>
+              </a:buClr>
+              <a:buSzPct val="100000"/>
+              <a:buFont typeface="Wingdings" pitchFamily="2" charset="2"/>
+              <a:buChar char="§"/>
+              <a:defRPr sz="1800" kern="1200">
+                <a:solidFill>
+                  <a:schemeClr val="tx1"/>
+                </a:solidFill>
+                <a:latin typeface="+mn-lt"/>
+                <a:ea typeface="+mn-ea"/>
+                <a:cs typeface="+mn-cs"/>
+              </a:defRPr>
+            </a:lvl2pPr>
+            <a:lvl3pPr marL="269009" indent="-134505" algn="l" defTabSz="816201" rtl="0" eaLnBrk="1" latinLnBrk="0" hangingPunct="1">
+              <a:spcBef>
+                <a:spcPts val="225"/>
+              </a:spcBef>
+              <a:buClr>
+                <a:schemeClr val="tx1"/>
+              </a:buClr>
+              <a:buSzPct val="100000"/>
+              <a:buFont typeface="Arial" panose="020B0604020202020204" pitchFamily="34" charset="0"/>
+              <a:buChar char="–"/>
+              <a:defRPr lang="en-US" sz="1800" kern="1200" noProof="0" dirty="0" smtClean="0">
+                <a:solidFill>
+                  <a:schemeClr val="tx1"/>
+                </a:solidFill>
+                <a:latin typeface="+mn-lt"/>
+                <a:ea typeface="+mn-ea"/>
+                <a:cs typeface="+mn-cs"/>
+              </a:defRPr>
+            </a:lvl3pPr>
+            <a:lvl4pPr marL="404811" indent="-134937" algn="l" defTabSz="816201" rtl="0" eaLnBrk="1" latinLnBrk="0" hangingPunct="1">
+              <a:spcBef>
+                <a:spcPts val="225"/>
+              </a:spcBef>
+              <a:buClr>
+                <a:schemeClr val="tx1"/>
+              </a:buClr>
+              <a:buSzPct val="120000"/>
+              <a:buFont typeface="Arial" pitchFamily="34" charset="0"/>
+              <a:buChar char="▫"/>
+              <a:defRPr sz="1600" kern="1200">
+                <a:solidFill>
+                  <a:schemeClr val="tx1"/>
+                </a:solidFill>
+                <a:latin typeface="+mn-lt"/>
+                <a:ea typeface="+mn-ea"/>
+                <a:cs typeface="+mn-cs"/>
+              </a:defRPr>
+            </a:lvl4pPr>
+            <a:lvl5pPr marL="539748" indent="-134937" algn="l" defTabSz="816201" rtl="0" eaLnBrk="1" latinLnBrk="0" hangingPunct="1">
+              <a:spcBef>
+                <a:spcPts val="75"/>
+              </a:spcBef>
+              <a:buClr>
+                <a:schemeClr val="tx1"/>
+              </a:buClr>
+              <a:buSzPct val="100000"/>
+              <a:buFont typeface="Symbol" panose="05050102010706020507" pitchFamily="18" charset="2"/>
+              <a:buChar char="-"/>
+              <a:defRPr sz="1400" kern="1200" baseline="0">
+                <a:solidFill>
+                  <a:schemeClr val="tx1"/>
+                </a:solidFill>
+                <a:latin typeface="+mn-lt"/>
+                <a:ea typeface="+mn-ea"/>
+                <a:cs typeface="+mn-cs"/>
+              </a:defRPr>
+            </a:lvl5pPr>
+            <a:lvl6pPr marL="2244553" indent="-204051" algn="l" defTabSz="816201" rtl="0" eaLnBrk="1" latinLnBrk="0" hangingPunct="1">
+              <a:spcBef>
+                <a:spcPct val="20000"/>
+              </a:spcBef>
+              <a:buFont typeface="Arial" pitchFamily="34" charset="0"/>
+              <a:buChar char="•"/>
+              <a:defRPr sz="1800" kern="1200">
+                <a:solidFill>
+                  <a:schemeClr val="tx1"/>
+                </a:solidFill>
+                <a:latin typeface="+mn-lt"/>
+                <a:ea typeface="+mn-ea"/>
+                <a:cs typeface="+mn-cs"/>
+              </a:defRPr>
+            </a:lvl6pPr>
+            <a:lvl7pPr marL="2652653" indent="-204051" algn="l" defTabSz="816201" rtl="0" eaLnBrk="1" latinLnBrk="0" hangingPunct="1">
+              <a:spcBef>
+                <a:spcPct val="20000"/>
+              </a:spcBef>
+              <a:buFont typeface="Arial" pitchFamily="34" charset="0"/>
+              <a:buChar char="•"/>
+              <a:defRPr sz="1800" kern="1200">
+                <a:solidFill>
+                  <a:schemeClr val="tx1"/>
+                </a:solidFill>
+                <a:latin typeface="+mn-lt"/>
+                <a:ea typeface="+mn-ea"/>
+                <a:cs typeface="+mn-cs"/>
+              </a:defRPr>
+            </a:lvl7pPr>
+            <a:lvl8pPr marL="3060753" indent="-204051" algn="l" defTabSz="816201" rtl="0" eaLnBrk="1" latinLnBrk="0" hangingPunct="1">
+              <a:spcBef>
+                <a:spcPct val="20000"/>
+              </a:spcBef>
+              <a:buFont typeface="Arial" pitchFamily="34" charset="0"/>
+              <a:buChar char="•"/>
+              <a:defRPr sz="1800" kern="1200">
+                <a:solidFill>
+                  <a:schemeClr val="tx1"/>
+                </a:solidFill>
+                <a:latin typeface="+mn-lt"/>
+                <a:ea typeface="+mn-ea"/>
+                <a:cs typeface="+mn-cs"/>
+              </a:defRPr>
+            </a:lvl8pPr>
+            <a:lvl9pPr marL="3468854" indent="-204051" algn="l" defTabSz="816201" rtl="0" eaLnBrk="1" latinLnBrk="0" hangingPunct="1">
+              <a:spcBef>
+                <a:spcPct val="20000"/>
+              </a:spcBef>
+              <a:buFont typeface="Arial" pitchFamily="34" charset="0"/>
+              <a:buChar char="•"/>
+              <a:defRPr sz="1800" kern="1200">
+                <a:solidFill>
+                  <a:schemeClr val="tx1"/>
+                </a:solidFill>
+                <a:latin typeface="+mn-lt"/>
+                <a:ea typeface="+mn-ea"/>
+                <a:cs typeface="+mn-cs"/>
+              </a:defRPr>
+            </a:lvl9pPr>
+          </a:lstStyle>
+          <a:p>
+            <a:pPr lvl="1"/>
+            <a:r>
+              <a:rPr lang="en-US" dirty="0"/>
+              <a:t>At ML-Leonardo/ML-IPA, our jobs are generated with </a:t>
+            </a:r>
+            <a:r>
+              <a:rPr lang="en-US" dirty="0" err="1"/>
+              <a:t>corydoras</a:t>
+            </a:r>
+            <a:r>
+              <a:rPr lang="en-US" dirty="0"/>
+              <a:t>.</a:t>
+            </a:r>
+          </a:p>
+          <a:p>
+            <a:pPr marL="0" lvl="1" indent="0">
+              <a:buNone/>
+            </a:pPr>
+            <a:r>
+              <a:rPr lang="en-US" dirty="0"/>
+              <a:t>We work with 3 types of branches: master/</a:t>
+            </a:r>
+            <a:r>
+              <a:rPr lang="en-US" dirty="0" err="1"/>
+              <a:t>stabi</a:t>
+            </a:r>
+            <a:r>
+              <a:rPr lang="en-US" dirty="0"/>
+              <a:t>/</a:t>
+            </a:r>
+            <a:r>
+              <a:rPr lang="en-US" dirty="0" err="1"/>
+              <a:t>rel</a:t>
+            </a:r>
+            <a:endParaRPr lang="en-US" dirty="0"/>
+          </a:p>
+          <a:p>
+            <a:pPr marL="0" lvl="1" indent="0">
+              <a:buNone/>
+            </a:pPr>
+            <a:r>
+              <a:rPr lang="en-US" dirty="0"/>
+              <a:t>With </a:t>
+            </a:r>
+            <a:r>
+              <a:rPr lang="en-US" dirty="0" err="1"/>
+              <a:t>corydoras</a:t>
+            </a:r>
+            <a:r>
+              <a:rPr lang="en-US" dirty="0"/>
+              <a:t> it is easy to add new jobs to several branches at once</a:t>
+            </a:r>
+          </a:p>
+        </p:txBody>
+      </p:sp>
+    </p:spTree>
+    <p:extLst>
+      <p:ext uri="{BB962C8B-B14F-4D97-AF65-F5344CB8AC3E}">
+        <p14:creationId xmlns:p14="http://schemas.microsoft.com/office/powerpoint/2010/main" val="3966190278"/>
+      </p:ext>
+    </p:extLst>
+  </p:cSld>
+  <p:clrMapOvr>
+    <a:masterClrMapping/>
+  </p:clrMapOvr>
+</p:sld>
+</file>
+
+<file path=ppt/slides/slide23.xml><?xml version="1.0" encoding="utf-8"?>
+<p:sld xmlns:a="http://schemas.openxmlformats.org/drawingml/2006/main" xmlns:r="http://schemas.openxmlformats.org/officeDocument/2006/relationships" xmlns:p="http://schemas.openxmlformats.org/presentationml/2006/main">
+  <p:cSld>
+    <p:spTree>
+      <p:nvGrpSpPr>
+        <p:cNvPr id="1" name=""/>
+        <p:cNvGrpSpPr/>
+        <p:nvPr/>
+      </p:nvGrpSpPr>
+      <p:grpSpPr>
+        <a:xfrm>
+          <a:off x="0" y="0"/>
+          <a:ext cx="0" cy="0"/>
+          <a:chOff x="0" y="0"/>
+          <a:chExt cx="0" cy="0"/>
+        </a:xfrm>
+      </p:grpSpPr>
+      <p:sp>
+        <p:nvSpPr>
+          <p:cNvPr id="24" name="Title"/>
+          <p:cNvSpPr>
+            <a:spLocks noGrp="1"/>
+          </p:cNvSpPr>
+          <p:nvPr>
+            <p:ph type="title"/>
+          </p:nvPr>
+        </p:nvSpPr>
+        <p:spPr/>
+        <p:txBody>
+          <a:bodyPr/>
+          <a:lstStyle/>
+          <a:p>
+            <a:r>
+              <a:rPr lang="en-US" dirty="0" err="1"/>
+              <a:t>Crowsnest</a:t>
+            </a:r>
+            <a:endParaRPr lang="en-US" dirty="0"/>
+          </a:p>
+        </p:txBody>
+      </p:sp>
+      <p:sp>
+        <p:nvSpPr>
+          <p:cNvPr id="3" name="Text Placeholder column 1">
+            <a:extLst>
+              <a:ext uri="{FF2B5EF4-FFF2-40B4-BE49-F238E27FC236}">
+                <a16:creationId xmlns:a16="http://schemas.microsoft.com/office/drawing/2014/main" id="{17838B53-91C0-5146-B90F-17D8A2D5A3A6}"/>
+              </a:ext>
+            </a:extLst>
+          </p:cNvPr>
+          <p:cNvSpPr txBox="1">
+            <a:spLocks/>
+          </p:cNvSpPr>
+          <p:nvPr/>
+        </p:nvSpPr>
+        <p:spPr>
+          <a:xfrm>
+            <a:off x="377901" y="1620000"/>
+            <a:ext cx="8387674" cy="4716000"/>
+          </a:xfrm>
+          <a:prstGeom prst="rect">
+            <a:avLst/>
+          </a:prstGeom>
+          <a:noFill/>
+          <a:ln>
+            <a:noFill/>
+          </a:ln>
+        </p:spPr>
+        <p:txBody>
+          <a:bodyPr/>
+          <a:lstStyle>
+            <a:lvl1pPr marL="0" indent="0" algn="l" defTabSz="816201" rtl="0" eaLnBrk="1" latinLnBrk="0" hangingPunct="1">
+              <a:spcBef>
+                <a:spcPts val="1350"/>
+              </a:spcBef>
+              <a:buClr>
+                <a:schemeClr val="accent1"/>
+              </a:buClr>
+              <a:buSzPct val="80000"/>
+              <a:buFontTx/>
+              <a:buNone/>
+              <a:defRPr sz="2000" b="0" kern="1200">
+                <a:solidFill>
+                  <a:schemeClr val="tx1"/>
+                </a:solidFill>
+                <a:latin typeface="+mn-lt"/>
+                <a:ea typeface="+mn-ea"/>
+                <a:cs typeface="+mn-cs"/>
+              </a:defRPr>
+            </a:lvl1pPr>
+            <a:lvl2pPr marL="134937" indent="-134937" algn="l" defTabSz="816201" rtl="0" eaLnBrk="1" latinLnBrk="0" hangingPunct="1">
+              <a:spcBef>
+                <a:spcPts val="450"/>
+              </a:spcBef>
+              <a:buClr>
+                <a:schemeClr val="accent1"/>
+              </a:buClr>
+              <a:buSzPct val="100000"/>
+              <a:buFont typeface="Wingdings" pitchFamily="2" charset="2"/>
+              <a:buChar char="§"/>
+              <a:defRPr sz="1800" kern="1200">
+                <a:solidFill>
+                  <a:schemeClr val="tx1"/>
+                </a:solidFill>
+                <a:latin typeface="+mn-lt"/>
+                <a:ea typeface="+mn-ea"/>
+                <a:cs typeface="+mn-cs"/>
+              </a:defRPr>
+            </a:lvl2pPr>
+            <a:lvl3pPr marL="269009" indent="-134505" algn="l" defTabSz="816201" rtl="0" eaLnBrk="1" latinLnBrk="0" hangingPunct="1">
+              <a:spcBef>
+                <a:spcPts val="225"/>
+              </a:spcBef>
+              <a:buClr>
+                <a:schemeClr val="tx1"/>
+              </a:buClr>
+              <a:buSzPct val="100000"/>
+              <a:buFont typeface="Arial" panose="020B0604020202020204" pitchFamily="34" charset="0"/>
+              <a:buChar char="–"/>
+              <a:defRPr lang="en-US" sz="1800" kern="1200" noProof="0" dirty="0" smtClean="0">
+                <a:solidFill>
+                  <a:schemeClr val="tx1"/>
+                </a:solidFill>
+                <a:latin typeface="+mn-lt"/>
+                <a:ea typeface="+mn-ea"/>
+                <a:cs typeface="+mn-cs"/>
+              </a:defRPr>
+            </a:lvl3pPr>
+            <a:lvl4pPr marL="404811" indent="-134937" algn="l" defTabSz="816201" rtl="0" eaLnBrk="1" latinLnBrk="0" hangingPunct="1">
+              <a:spcBef>
+                <a:spcPts val="225"/>
+              </a:spcBef>
+              <a:buClr>
+                <a:schemeClr val="tx1"/>
+              </a:buClr>
+              <a:buSzPct val="120000"/>
+              <a:buFont typeface="Arial" pitchFamily="34" charset="0"/>
+              <a:buChar char="▫"/>
+              <a:defRPr sz="1600" kern="1200">
+                <a:solidFill>
+                  <a:schemeClr val="tx1"/>
+                </a:solidFill>
+                <a:latin typeface="+mn-lt"/>
+                <a:ea typeface="+mn-ea"/>
+                <a:cs typeface="+mn-cs"/>
+              </a:defRPr>
+            </a:lvl4pPr>
+            <a:lvl5pPr marL="539748" indent="-134937" algn="l" defTabSz="816201" rtl="0" eaLnBrk="1" latinLnBrk="0" hangingPunct="1">
+              <a:spcBef>
+                <a:spcPts val="75"/>
+              </a:spcBef>
+              <a:buClr>
+                <a:schemeClr val="tx1"/>
+              </a:buClr>
+              <a:buSzPct val="100000"/>
+              <a:buFont typeface="Symbol" panose="05050102010706020507" pitchFamily="18" charset="2"/>
+              <a:buChar char="-"/>
+              <a:defRPr sz="1400" kern="1200" baseline="0">
+                <a:solidFill>
+                  <a:schemeClr val="tx1"/>
+                </a:solidFill>
+                <a:latin typeface="+mn-lt"/>
+                <a:ea typeface="+mn-ea"/>
+                <a:cs typeface="+mn-cs"/>
+              </a:defRPr>
+            </a:lvl5pPr>
+            <a:lvl6pPr marL="2244553" indent="-204051" algn="l" defTabSz="816201" rtl="0" eaLnBrk="1" latinLnBrk="0" hangingPunct="1">
+              <a:spcBef>
+                <a:spcPct val="20000"/>
+              </a:spcBef>
+              <a:buFont typeface="Arial" pitchFamily="34" charset="0"/>
+              <a:buChar char="•"/>
+              <a:defRPr sz="1800" kern="1200">
+                <a:solidFill>
+                  <a:schemeClr val="tx1"/>
+                </a:solidFill>
+                <a:latin typeface="+mn-lt"/>
+                <a:ea typeface="+mn-ea"/>
+                <a:cs typeface="+mn-cs"/>
+              </a:defRPr>
+            </a:lvl6pPr>
+            <a:lvl7pPr marL="2652653" indent="-204051" algn="l" defTabSz="816201" rtl="0" eaLnBrk="1" latinLnBrk="0" hangingPunct="1">
+              <a:spcBef>
+                <a:spcPct val="20000"/>
+              </a:spcBef>
+              <a:buFont typeface="Arial" pitchFamily="34" charset="0"/>
+              <a:buChar char="•"/>
+              <a:defRPr sz="1800" kern="1200">
+                <a:solidFill>
+                  <a:schemeClr val="tx1"/>
+                </a:solidFill>
+                <a:latin typeface="+mn-lt"/>
+                <a:ea typeface="+mn-ea"/>
+                <a:cs typeface="+mn-cs"/>
+              </a:defRPr>
+            </a:lvl7pPr>
+            <a:lvl8pPr marL="3060753" indent="-204051" algn="l" defTabSz="816201" rtl="0" eaLnBrk="1" latinLnBrk="0" hangingPunct="1">
+              <a:spcBef>
+                <a:spcPct val="20000"/>
+              </a:spcBef>
+              <a:buFont typeface="Arial" pitchFamily="34" charset="0"/>
+              <a:buChar char="•"/>
+              <a:defRPr sz="1800" kern="1200">
+                <a:solidFill>
+                  <a:schemeClr val="tx1"/>
+                </a:solidFill>
+                <a:latin typeface="+mn-lt"/>
+                <a:ea typeface="+mn-ea"/>
+                <a:cs typeface="+mn-cs"/>
+              </a:defRPr>
+            </a:lvl8pPr>
+            <a:lvl9pPr marL="3468854" indent="-204051" algn="l" defTabSz="816201" rtl="0" eaLnBrk="1" latinLnBrk="0" hangingPunct="1">
+              <a:spcBef>
+                <a:spcPct val="20000"/>
+              </a:spcBef>
+              <a:buFont typeface="Arial" pitchFamily="34" charset="0"/>
+              <a:buChar char="•"/>
+              <a:defRPr sz="1800" kern="1200">
+                <a:solidFill>
+                  <a:schemeClr val="tx1"/>
+                </a:solidFill>
+                <a:latin typeface="+mn-lt"/>
+                <a:ea typeface="+mn-ea"/>
+                <a:cs typeface="+mn-cs"/>
+              </a:defRPr>
+            </a:lvl9pPr>
+          </a:lstStyle>
+          <a:p>
+            <a:pPr lvl="1"/>
+            <a:r>
+              <a:rPr lang="en-US" dirty="0"/>
+              <a:t>Project appeared on </a:t>
+            </a:r>
+            <a:r>
+              <a:rPr lang="en-US" dirty="0" err="1"/>
+              <a:t>github</a:t>
+            </a:r>
+            <a:r>
+              <a:rPr lang="en-US" dirty="0"/>
+              <a:t> highest requests dashboard</a:t>
+            </a:r>
+          </a:p>
+          <a:p>
+            <a:pPr marL="0" lvl="1" indent="0">
+              <a:buNone/>
+            </a:pPr>
+            <a:r>
+              <a:rPr lang="en-US" dirty="0">
+                <a:hlinkClick r:id="rId2"/>
+              </a:rPr>
+              <a:t>https://github.wdf.sap.corp/pages/github/hubble/housekeeping-git-requests</a:t>
+            </a:r>
+            <a:endParaRPr lang="en-US" dirty="0"/>
+          </a:p>
+          <a:p>
+            <a:pPr lvl="1"/>
+            <a:r>
+              <a:rPr lang="en-US" dirty="0"/>
+              <a:t>To limit the number of requests to </a:t>
+            </a:r>
+            <a:r>
+              <a:rPr lang="en-US" dirty="0" err="1"/>
+              <a:t>github</a:t>
+            </a:r>
+            <a:r>
+              <a:rPr lang="en-US" dirty="0"/>
+              <a:t>, one way was to use </a:t>
+            </a:r>
+            <a:r>
+              <a:rPr lang="en-US" dirty="0" err="1"/>
+              <a:t>corydoras</a:t>
+            </a:r>
+            <a:r>
+              <a:rPr lang="en-US" dirty="0"/>
+              <a:t> template engine instead of the regular </a:t>
+            </a:r>
+            <a:r>
+              <a:rPr lang="en-US" dirty="0" err="1"/>
+              <a:t>jenkins</a:t>
+            </a:r>
+            <a:r>
+              <a:rPr lang="en-US" dirty="0"/>
+              <a:t> download from </a:t>
+            </a:r>
+            <a:r>
+              <a:rPr lang="en-US" dirty="0" err="1"/>
+              <a:t>scm</a:t>
+            </a:r>
+            <a:r>
+              <a:rPr lang="en-US" dirty="0"/>
+              <a:t> step of pipeline jobs.</a:t>
+            </a:r>
+          </a:p>
+          <a:p>
+            <a:pPr marL="0" lvl="1" indent="0">
+              <a:buNone/>
+            </a:pPr>
+            <a:r>
+              <a:rPr lang="en-US" dirty="0"/>
+              <a:t>Indeed the regular way to version pipeline and use them is to use Jenkins Jobs that download itself from the </a:t>
+            </a:r>
+            <a:r>
+              <a:rPr lang="en-US" dirty="0" err="1"/>
+              <a:t>scm</a:t>
+            </a:r>
+            <a:r>
+              <a:rPr lang="en-US" dirty="0"/>
+              <a:t>. The pipeline is downloaded at each run. If the jobs run every minutes, that makes 1440 downloads for each job.</a:t>
+            </a:r>
+          </a:p>
+          <a:p>
+            <a:pPr marL="0" lvl="1" indent="0">
+              <a:buNone/>
+            </a:pPr>
+            <a:r>
+              <a:rPr lang="en-US" dirty="0"/>
+              <a:t>With </a:t>
+            </a:r>
+            <a:r>
+              <a:rPr lang="en-US" dirty="0" err="1"/>
+              <a:t>corydoras</a:t>
+            </a:r>
+            <a:r>
+              <a:rPr lang="en-US" dirty="0"/>
+              <a:t> templating, the job is still versioned but is added on </a:t>
+            </a:r>
+            <a:r>
+              <a:rPr lang="en-US" dirty="0" err="1"/>
+              <a:t>jenkins</a:t>
+            </a:r>
+            <a:r>
+              <a:rPr lang="en-US" dirty="0"/>
+              <a:t> as a script. No download from </a:t>
+            </a:r>
+            <a:r>
+              <a:rPr lang="en-US" dirty="0" err="1"/>
+              <a:t>scm</a:t>
+            </a:r>
+            <a:r>
+              <a:rPr lang="en-US" dirty="0"/>
+              <a:t> needed.</a:t>
+            </a:r>
+          </a:p>
+        </p:txBody>
+      </p:sp>
+    </p:spTree>
+    <p:extLst>
+      <p:ext uri="{BB962C8B-B14F-4D97-AF65-F5344CB8AC3E}">
+        <p14:creationId xmlns:p14="http://schemas.microsoft.com/office/powerpoint/2010/main" val="2408178526"/>
+      </p:ext>
+    </p:extLst>
+  </p:cSld>
+  <p:clrMapOvr>
+    <a:masterClrMapping/>
+  </p:clrMapOvr>
+</p:sld>
+</file>
+
+<file path=ppt/slides/slide24.xml><?xml version="1.0" encoding="utf-8"?>
 <p:sld xmlns:a="http://schemas.openxmlformats.org/drawingml/2006/main" xmlns:r="http://schemas.openxmlformats.org/officeDocument/2006/relationships" xmlns:p="http://schemas.openxmlformats.org/presentationml/2006/main">
   <p:cSld>
     <p:spTree>
@@ -15174,7 +16247,7 @@
 </p:sld>
 </file>
 
-<file path=ppt/slides/slide21.xml><?xml version="1.0" encoding="utf-8"?>
+<file path=ppt/slides/slide25.xml><?xml version="1.0" encoding="utf-8"?>
 <p:sld xmlns:a="http://schemas.openxmlformats.org/drawingml/2006/main" xmlns:r="http://schemas.openxmlformats.org/officeDocument/2006/relationships" xmlns:p="http://schemas.openxmlformats.org/presentationml/2006/main" show="0">
   <p:cSld>
     <p:spTree>
